--- a/ED-Tema-2/2.3 EJERCICIO_CYNTHIA JASMINE MORALES TORRES.pptx
+++ b/ED-Tema-2/2.3 EJERCICIO_CYNTHIA JASMINE MORALES TORRES.pptx
@@ -12,6 +12,7 @@
     <p:sldId id="260" r:id="rId6"/>
     <p:sldId id="261" r:id="rId7"/>
     <p:sldId id="262" r:id="rId8"/>
+    <p:sldId id="263" r:id="rId9"/>
   </p:sldIdLst>
   <p:sldSz cx="12192000" cy="6858000"/>
   <p:notesSz cx="6858000" cy="9144000"/>
@@ -110,6 +111,11 @@
       </a:defRPr>
     </a:lvl9pPr>
   </p:defaultTextStyle>
+  <p:extLst>
+    <p:ext uri="{EFAFB233-063F-42B5-8137-9DF3F51BA10A}">
+      <p15:sldGuideLst xmlns:p15="http://schemas.microsoft.com/office/powerpoint/2012/main"/>
+    </p:ext>
+  </p:extLst>
 </p:presentation>
 </file>
 
@@ -6341,53 +6347,444 @@
       </p:grpSpPr>
       <p:sp>
         <p:nvSpPr>
-          <p:cNvPr id="2" name="Título 1">
+          <p:cNvPr id="4" name="CuadroTexto 3">
             <a:extLst>
               <a:ext uri="{FF2B5EF4-FFF2-40B4-BE49-F238E27FC236}">
-                <a16:creationId xmlns:a16="http://schemas.microsoft.com/office/drawing/2014/main" id="{2C04E7B1-E2B8-8989-B6BC-6FE27DE502D5}"/>
+                <a16:creationId xmlns:a16="http://schemas.microsoft.com/office/drawing/2014/main" id="{BFDD88C6-8AB9-D36F-7B06-1315CB72AB04}"/>
               </a:ext>
             </a:extLst>
           </p:cNvPr>
-          <p:cNvSpPr>
-            <a:spLocks noGrp="1"/>
-          </p:cNvSpPr>
-          <p:nvPr>
-            <p:ph type="ctrTitle"/>
-          </p:nvPr>
-        </p:nvSpPr>
-        <p:spPr/>
-        <p:txBody>
-          <a:bodyPr/>
-          <a:lstStyle/>
-          <a:p>
-            <a:endParaRPr lang="es-MX"/>
-          </a:p>
-        </p:txBody>
-      </p:sp>
-      <p:sp>
-        <p:nvSpPr>
-          <p:cNvPr id="3" name="Subtítulo 2">
+          <p:cNvSpPr txBox="1"/>
+          <p:nvPr/>
+        </p:nvSpPr>
+        <p:spPr>
+          <a:xfrm>
+            <a:off x="3079680" y="1579973"/>
+            <a:ext cx="5848564" cy="5016758"/>
+          </a:xfrm>
+          <a:prstGeom prst="rect">
+            <a:avLst/>
+          </a:prstGeom>
+          <a:noFill/>
+        </p:spPr>
+        <p:txBody>
+          <a:bodyPr wrap="square">
+            <a:spAutoFit/>
+          </a:bodyPr>
+          <a:lstStyle/>
+          <a:p>
+            <a:pPr algn="ctr" rtl="0"/>
+            <a:r>
+              <a:rPr lang="es-MX" sz="1600" b="1" i="0" dirty="0">
+                <a:effectLst/>
+                <a:latin typeface="Bahnschrift" panose="020B0502040204020203" pitchFamily="34" charset="0"/>
+              </a:rPr>
+              <a:t>Instituto Tecnológico de Frontera Comalapa</a:t>
+            </a:r>
+            <a:endParaRPr lang="es-MX" sz="1600" b="1" dirty="0">
+              <a:effectLst/>
+              <a:latin typeface="Bahnschrift" panose="020B0502040204020203" pitchFamily="34" charset="0"/>
+            </a:endParaRPr>
+          </a:p>
+          <a:p>
+            <a:pPr algn="ctr" rtl="0"/>
+            <a:r>
+              <a:rPr lang="es-MX" sz="1600" b="1" i="0" dirty="0">
+                <a:effectLst/>
+                <a:latin typeface="Bahnschrift" panose="020B0502040204020203" pitchFamily="34" charset="0"/>
+              </a:rPr>
+              <a:t>Modalidad Mixta</a:t>
+            </a:r>
+          </a:p>
+          <a:p>
+            <a:pPr algn="ctr" rtl="0"/>
+            <a:endParaRPr lang="es-MX" sz="1600" b="1" dirty="0">
+              <a:effectLst/>
+              <a:latin typeface="Bahnschrift" panose="020B0502040204020203" pitchFamily="34" charset="0"/>
+            </a:endParaRPr>
+          </a:p>
+          <a:p>
+            <a:pPr algn="ctr" rtl="0"/>
+            <a:r>
+              <a:rPr lang="es-MX" sz="1600" b="0" i="0" dirty="0">
+                <a:effectLst/>
+                <a:latin typeface="Bahnschrift" panose="020B0502040204020203" pitchFamily="34" charset="0"/>
+              </a:rPr>
+              <a:t>Materia:</a:t>
+            </a:r>
+            <a:endParaRPr lang="es-MX" sz="1600" dirty="0">
+              <a:effectLst/>
+              <a:latin typeface="Bahnschrift" panose="020B0502040204020203" pitchFamily="34" charset="0"/>
+            </a:endParaRPr>
+          </a:p>
+          <a:p>
+            <a:pPr algn="ctr" rtl="0"/>
+            <a:r>
+              <a:rPr lang="es-MX" sz="1600" b="0" i="0" dirty="0">
+                <a:effectLst/>
+                <a:latin typeface="Bahnschrift" panose="020B0502040204020203" pitchFamily="34" charset="0"/>
+              </a:rPr>
+              <a:t>Estructura de Datos</a:t>
+            </a:r>
+            <a:endParaRPr lang="es-MX" sz="1600" dirty="0">
+              <a:effectLst/>
+              <a:latin typeface="Bahnschrift" panose="020B0502040204020203" pitchFamily="34" charset="0"/>
+            </a:endParaRPr>
+          </a:p>
+          <a:p>
+            <a:pPr algn="ctr" rtl="0"/>
+            <a:r>
+              <a:rPr lang="es-MX" sz="1600" b="0" i="0" dirty="0">
+                <a:effectLst/>
+                <a:latin typeface="Bahnschrift" panose="020B0502040204020203" pitchFamily="34" charset="0"/>
+              </a:rPr>
+              <a:t>Semestre: </a:t>
+            </a:r>
+            <a:endParaRPr lang="es-MX" sz="1600" dirty="0">
+              <a:effectLst/>
+              <a:latin typeface="Bahnschrift" panose="020B0502040204020203" pitchFamily="34" charset="0"/>
+            </a:endParaRPr>
+          </a:p>
+          <a:p>
+            <a:pPr algn="ctr" rtl="0"/>
+            <a:r>
+              <a:rPr lang="es-MX" sz="1600" b="0" i="0" dirty="0">
+                <a:effectLst/>
+                <a:latin typeface="Bahnschrift" panose="020B0502040204020203" pitchFamily="34" charset="0"/>
+              </a:rPr>
+              <a:t>Quinto semestre </a:t>
+            </a:r>
+            <a:endParaRPr lang="es-MX" sz="1600" dirty="0">
+              <a:effectLst/>
+              <a:latin typeface="Bahnschrift" panose="020B0502040204020203" pitchFamily="34" charset="0"/>
+            </a:endParaRPr>
+          </a:p>
+          <a:p>
+            <a:pPr algn="ctr" rtl="0"/>
+            <a:r>
+              <a:rPr lang="es-MX" sz="1600" b="0" i="0" dirty="0">
+                <a:effectLst/>
+                <a:latin typeface="Bahnschrift" panose="020B0502040204020203" pitchFamily="34" charset="0"/>
+              </a:rPr>
+              <a:t>Especialidad:</a:t>
+            </a:r>
+            <a:endParaRPr lang="es-MX" sz="1600" dirty="0">
+              <a:effectLst/>
+              <a:latin typeface="Bahnschrift" panose="020B0502040204020203" pitchFamily="34" charset="0"/>
+            </a:endParaRPr>
+          </a:p>
+          <a:p>
+            <a:pPr algn="ctr" rtl="0"/>
+            <a:r>
+              <a:rPr lang="es-MX" sz="1600" b="0" i="0" dirty="0">
+                <a:effectLst/>
+                <a:latin typeface="Bahnschrift" panose="020B0502040204020203" pitchFamily="34" charset="0"/>
+              </a:rPr>
+              <a:t>Ingeniería en Sistemas Computacionales.</a:t>
+            </a:r>
+            <a:endParaRPr lang="es-MX" sz="1600" dirty="0">
+              <a:effectLst/>
+              <a:latin typeface="Bahnschrift" panose="020B0502040204020203" pitchFamily="34" charset="0"/>
+            </a:endParaRPr>
+          </a:p>
+          <a:p>
+            <a:pPr algn="ctr" rtl="0"/>
+            <a:r>
+              <a:rPr lang="es-MX" sz="1600" b="0" i="0" dirty="0">
+                <a:effectLst/>
+                <a:latin typeface="Bahnschrift" panose="020B0502040204020203" pitchFamily="34" charset="0"/>
+              </a:rPr>
+              <a:t>Nombre del alumno: </a:t>
+            </a:r>
+            <a:endParaRPr lang="es-MX" sz="1600" dirty="0">
+              <a:effectLst/>
+              <a:latin typeface="Bahnschrift" panose="020B0502040204020203" pitchFamily="34" charset="0"/>
+            </a:endParaRPr>
+          </a:p>
+          <a:p>
+            <a:pPr algn="ctr"/>
+            <a:r>
+              <a:rPr lang="es-MX" sz="1600" b="0" i="0" dirty="0">
+                <a:effectLst/>
+                <a:latin typeface="Bahnschrift" panose="020B0502040204020203" pitchFamily="34" charset="0"/>
+              </a:rPr>
+              <a:t>Cynthia Jasmine Morales Torres/231260014</a:t>
+            </a:r>
+            <a:endParaRPr lang="es-MX" sz="1600" dirty="0">
+              <a:effectLst/>
+              <a:latin typeface="Bahnschrift" panose="020B0502040204020203" pitchFamily="34" charset="0"/>
+            </a:endParaRPr>
+          </a:p>
+          <a:p>
+            <a:pPr algn="ctr" rtl="0"/>
+            <a:r>
+              <a:rPr lang="es-MX" sz="1600" b="0" i="0" dirty="0">
+                <a:effectLst/>
+                <a:latin typeface="Bahnschrift" panose="020B0502040204020203" pitchFamily="34" charset="0"/>
+              </a:rPr>
+              <a:t>Nombre del docente: </a:t>
+            </a:r>
+            <a:endParaRPr lang="es-MX" sz="1600" dirty="0">
+              <a:effectLst/>
+              <a:latin typeface="Bahnschrift" panose="020B0502040204020203" pitchFamily="34" charset="0"/>
+            </a:endParaRPr>
+          </a:p>
+          <a:p>
+            <a:pPr algn="ctr" rtl="0"/>
+            <a:r>
+              <a:rPr lang="es-MX" sz="1600" b="0" i="0" dirty="0">
+                <a:effectLst/>
+                <a:latin typeface="Bahnschrift" panose="020B0502040204020203" pitchFamily="34" charset="0"/>
+              </a:rPr>
+              <a:t>Ing. Francisco Javier Mingo Velázquez</a:t>
+            </a:r>
+            <a:endParaRPr lang="es-MX" sz="1600" dirty="0">
+              <a:effectLst/>
+              <a:latin typeface="Bahnschrift" panose="020B0502040204020203" pitchFamily="34" charset="0"/>
+            </a:endParaRPr>
+          </a:p>
+          <a:p>
+            <a:pPr algn="ctr" rtl="0"/>
+            <a:r>
+              <a:rPr lang="es-MX" sz="1600" b="0" i="0" dirty="0">
+                <a:effectLst/>
+                <a:latin typeface="Bahnschrift" panose="020B0502040204020203" pitchFamily="34" charset="0"/>
+              </a:rPr>
+              <a:t>Nombre del trabajo:</a:t>
+            </a:r>
+            <a:endParaRPr lang="es-MX" sz="1600" dirty="0">
+              <a:effectLst/>
+              <a:latin typeface="Bahnschrift" panose="020B0502040204020203" pitchFamily="34" charset="0"/>
+            </a:endParaRPr>
+          </a:p>
+          <a:p>
+            <a:pPr algn="ctr" rtl="0"/>
+            <a:r>
+              <a:rPr lang="es-MX" sz="1600" b="0" i="0" dirty="0">
+                <a:effectLst/>
+                <a:latin typeface="Bahnschrift" panose="020B0502040204020203" pitchFamily="34" charset="0"/>
+              </a:rPr>
+              <a:t>2.3 ejercicio de recursividad</a:t>
+            </a:r>
+          </a:p>
+          <a:p>
+            <a:pPr algn="ctr" rtl="0"/>
+            <a:endParaRPr lang="es-MX" sz="1600" dirty="0">
+              <a:effectLst/>
+              <a:latin typeface="Bahnschrift" panose="020B0502040204020203" pitchFamily="34" charset="0"/>
+            </a:endParaRPr>
+          </a:p>
+          <a:p>
+            <a:pPr algn="ctr" rtl="0"/>
+            <a:endParaRPr lang="es-MX" sz="1600" dirty="0">
+              <a:latin typeface="Bahnschrift" panose="020B0502040204020203" pitchFamily="34" charset="0"/>
+            </a:endParaRPr>
+          </a:p>
+          <a:p>
+            <a:pPr algn="ctr" rtl="0"/>
+            <a:endParaRPr lang="es-MX" sz="1600" dirty="0">
+              <a:effectLst/>
+              <a:latin typeface="Bahnschrift" panose="020B0502040204020203" pitchFamily="34" charset="0"/>
+            </a:endParaRPr>
+          </a:p>
+          <a:p>
+            <a:pPr algn="ctr" rtl="0"/>
+            <a:r>
+              <a:rPr lang="es-MX" sz="1600" b="0" i="0" dirty="0">
+                <a:effectLst/>
+                <a:latin typeface="Bahnschrift" panose="020B0502040204020203" pitchFamily="34" charset="0"/>
+              </a:rPr>
+              <a:t>Fecha de entrega:</a:t>
+            </a:r>
+            <a:endParaRPr lang="es-MX" sz="1600" dirty="0">
+              <a:effectLst/>
+              <a:latin typeface="Bahnschrift" panose="020B0502040204020203" pitchFamily="34" charset="0"/>
+            </a:endParaRPr>
+          </a:p>
+          <a:p>
+            <a:pPr algn="ctr" rtl="0"/>
+            <a:r>
+              <a:rPr lang="es-MX" sz="1600" b="0" i="0" dirty="0">
+                <a:effectLst/>
+                <a:latin typeface="Bahnschrift" panose="020B0502040204020203" pitchFamily="34" charset="0"/>
+              </a:rPr>
+              <a:t>Frontera Comalapa, Chiapas. A </a:t>
+            </a:r>
+            <a:r>
+              <a:rPr lang="es-MX" sz="1600" dirty="0">
+                <a:latin typeface="Bahnschrift" panose="020B0502040204020203" pitchFamily="34" charset="0"/>
+              </a:rPr>
+              <a:t>31</a:t>
+            </a:r>
+            <a:r>
+              <a:rPr lang="es-MX" sz="1600" b="0" i="0" dirty="0">
+                <a:effectLst/>
+                <a:latin typeface="Bahnschrift" panose="020B0502040204020203" pitchFamily="34" charset="0"/>
+              </a:rPr>
+              <a:t> de Octubre de 2025</a:t>
+            </a:r>
+            <a:endParaRPr lang="es-MX" sz="1600" dirty="0">
+              <a:effectLst/>
+              <a:latin typeface="Bahnschrift" panose="020B0502040204020203" pitchFamily="34" charset="0"/>
+            </a:endParaRPr>
+          </a:p>
+        </p:txBody>
+      </p:sp>
+      <p:sp>
+        <p:nvSpPr>
+          <p:cNvPr id="5" name="Freeform 3">
             <a:extLst>
               <a:ext uri="{FF2B5EF4-FFF2-40B4-BE49-F238E27FC236}">
-                <a16:creationId xmlns:a16="http://schemas.microsoft.com/office/drawing/2014/main" id="{317349CA-2A4B-6A97-6613-8E6134BF7CAE}"/>
+                <a16:creationId xmlns:a16="http://schemas.microsoft.com/office/drawing/2014/main" id="{D212F3A3-E322-2570-6C0B-536EBAABE19B}"/>
               </a:ext>
             </a:extLst>
           </p:cNvPr>
-          <p:cNvSpPr>
-            <a:spLocks noGrp="1"/>
-          </p:cNvSpPr>
-          <p:nvPr>
-            <p:ph type="subTitle" idx="1"/>
-          </p:nvPr>
-        </p:nvSpPr>
-        <p:spPr/>
-        <p:txBody>
-          <a:bodyPr/>
-          <a:lstStyle/>
-          <a:p>
-            <a:endParaRPr lang="es-MX"/>
-          </a:p>
-        </p:txBody>
+          <p:cNvSpPr/>
+          <p:nvPr/>
+        </p:nvSpPr>
+        <p:spPr>
+          <a:xfrm>
+            <a:off x="2149354" y="282918"/>
+            <a:ext cx="2207213" cy="943199"/>
+          </a:xfrm>
+          <a:custGeom>
+            <a:avLst/>
+            <a:gdLst/>
+            <a:ahLst/>
+            <a:cxnLst/>
+            <a:rect l="l" t="t" r="r" b="b"/>
+            <a:pathLst>
+              <a:path w="2207213" h="943199">
+                <a:moveTo>
+                  <a:pt x="0" y="0"/>
+                </a:moveTo>
+                <a:lnTo>
+                  <a:pt x="2207213" y="0"/>
+                </a:lnTo>
+                <a:lnTo>
+                  <a:pt x="2207213" y="943198"/>
+                </a:lnTo>
+                <a:lnTo>
+                  <a:pt x="0" y="943198"/>
+                </a:lnTo>
+                <a:lnTo>
+                  <a:pt x="0" y="0"/>
+                </a:lnTo>
+                <a:close/>
+              </a:path>
+            </a:pathLst>
+          </a:custGeom>
+          <a:blipFill>
+            <a:blip r:embed="rId2"/>
+            <a:stretch>
+              <a:fillRect/>
+            </a:stretch>
+          </a:blipFill>
+        </p:spPr>
+      </p:sp>
+      <p:sp>
+        <p:nvSpPr>
+          <p:cNvPr id="6" name="Freeform 4">
+            <a:extLst>
+              <a:ext uri="{FF2B5EF4-FFF2-40B4-BE49-F238E27FC236}">
+                <a16:creationId xmlns:a16="http://schemas.microsoft.com/office/drawing/2014/main" id="{13FFFD30-109E-1F69-95B6-97C5FBB127CF}"/>
+              </a:ext>
+            </a:extLst>
+          </p:cNvPr>
+          <p:cNvSpPr/>
+          <p:nvPr/>
+        </p:nvSpPr>
+        <p:spPr>
+          <a:xfrm>
+            <a:off x="8621238" y="282918"/>
+            <a:ext cx="1421408" cy="943199"/>
+          </a:xfrm>
+          <a:custGeom>
+            <a:avLst/>
+            <a:gdLst/>
+            <a:ahLst/>
+            <a:cxnLst/>
+            <a:rect l="l" t="t" r="r" b="b"/>
+            <a:pathLst>
+              <a:path w="1421408" h="1163491">
+                <a:moveTo>
+                  <a:pt x="0" y="0"/>
+                </a:moveTo>
+                <a:lnTo>
+                  <a:pt x="1421408" y="0"/>
+                </a:lnTo>
+                <a:lnTo>
+                  <a:pt x="1421408" y="1163491"/>
+                </a:lnTo>
+                <a:lnTo>
+                  <a:pt x="0" y="1163491"/>
+                </a:lnTo>
+                <a:lnTo>
+                  <a:pt x="0" y="0"/>
+                </a:lnTo>
+                <a:close/>
+              </a:path>
+            </a:pathLst>
+          </a:custGeom>
+          <a:blipFill>
+            <a:blip r:embed="rId3"/>
+            <a:stretch>
+              <a:fillRect/>
+            </a:stretch>
+          </a:blipFill>
+        </p:spPr>
+      </p:sp>
+      <p:sp>
+        <p:nvSpPr>
+          <p:cNvPr id="7" name="Freeform 5">
+            <a:extLst>
+              <a:ext uri="{FF2B5EF4-FFF2-40B4-BE49-F238E27FC236}">
+                <a16:creationId xmlns:a16="http://schemas.microsoft.com/office/drawing/2014/main" id="{459EE714-FBD1-D115-A7F1-5374B9398FC0}"/>
+              </a:ext>
+            </a:extLst>
+          </p:cNvPr>
+          <p:cNvSpPr/>
+          <p:nvPr/>
+        </p:nvSpPr>
+        <p:spPr>
+          <a:xfrm>
+            <a:off x="4649462" y="432016"/>
+            <a:ext cx="3117507" cy="645001"/>
+          </a:xfrm>
+          <a:custGeom>
+            <a:avLst/>
+            <a:gdLst/>
+            <a:ahLst/>
+            <a:cxnLst/>
+            <a:rect l="l" t="t" r="r" b="b"/>
+            <a:pathLst>
+              <a:path w="3117507" h="645001">
+                <a:moveTo>
+                  <a:pt x="0" y="0"/>
+                </a:moveTo>
+                <a:lnTo>
+                  <a:pt x="3117506" y="0"/>
+                </a:lnTo>
+                <a:lnTo>
+                  <a:pt x="3117506" y="645002"/>
+                </a:lnTo>
+                <a:lnTo>
+                  <a:pt x="0" y="645002"/>
+                </a:lnTo>
+                <a:lnTo>
+                  <a:pt x="0" y="0"/>
+                </a:lnTo>
+                <a:close/>
+              </a:path>
+            </a:pathLst>
+          </a:custGeom>
+          <a:blipFill>
+            <a:blip r:embed="rId4"/>
+            <a:stretch>
+              <a:fillRect/>
+            </a:stretch>
+          </a:blipFill>
+        </p:spPr>
       </p:sp>
     </p:spTree>
     <p:extLst>
@@ -7175,6 +7572,118 @@
     <p:extLst>
       <p:ext uri="{BB962C8B-B14F-4D97-AF65-F5344CB8AC3E}">
         <p14:creationId xmlns:p14="http://schemas.microsoft.com/office/powerpoint/2010/main" val="2269553881"/>
+      </p:ext>
+    </p:extLst>
+  </p:cSld>
+  <p:clrMapOvr>
+    <a:masterClrMapping/>
+  </p:clrMapOvr>
+</p:sld>
+</file>
+
+<file path=ppt/slides/slide8.xml><?xml version="1.0" encoding="utf-8"?>
+<p:sld xmlns:a="http://schemas.openxmlformats.org/drawingml/2006/main" xmlns:r="http://schemas.openxmlformats.org/officeDocument/2006/relationships" xmlns:p="http://schemas.openxmlformats.org/presentationml/2006/main">
+  <p:cSld>
+    <p:spTree>
+      <p:nvGrpSpPr>
+        <p:cNvPr id="1" name=""/>
+        <p:cNvGrpSpPr/>
+        <p:nvPr/>
+      </p:nvGrpSpPr>
+      <p:grpSpPr>
+        <a:xfrm>
+          <a:off x="0" y="0"/>
+          <a:ext cx="0" cy="0"/>
+          <a:chOff x="0" y="0"/>
+          <a:chExt cx="0" cy="0"/>
+        </a:xfrm>
+      </p:grpSpPr>
+      <p:sp>
+        <p:nvSpPr>
+          <p:cNvPr id="2" name="Título 1">
+            <a:extLst>
+              <a:ext uri="{FF2B5EF4-FFF2-40B4-BE49-F238E27FC236}">
+                <a16:creationId xmlns:a16="http://schemas.microsoft.com/office/drawing/2014/main" id="{257B7586-2869-A2F4-3A33-87B6359477FC}"/>
+              </a:ext>
+            </a:extLst>
+          </p:cNvPr>
+          <p:cNvSpPr>
+            <a:spLocks noGrp="1"/>
+          </p:cNvSpPr>
+          <p:nvPr>
+            <p:ph type="title"/>
+          </p:nvPr>
+        </p:nvSpPr>
+        <p:spPr/>
+        <p:txBody>
+          <a:bodyPr/>
+          <a:lstStyle/>
+          <a:p>
+            <a:r>
+              <a:rPr lang="es-MX" dirty="0"/>
+              <a:t>Anexo link de </a:t>
+            </a:r>
+            <a:r>
+              <a:rPr lang="es-MX" dirty="0" err="1"/>
+              <a:t>git</a:t>
+            </a:r>
+            <a:r>
+              <a:rPr lang="es-MX" dirty="0"/>
+              <a:t> </a:t>
+            </a:r>
+            <a:r>
+              <a:rPr lang="es-MX" dirty="0" err="1"/>
+              <a:t>hub</a:t>
+            </a:r>
+            <a:r>
+              <a:rPr lang="es-MX" dirty="0"/>
+              <a:t> del ejercicio solicitado</a:t>
+            </a:r>
+          </a:p>
+        </p:txBody>
+      </p:sp>
+      <p:sp>
+        <p:nvSpPr>
+          <p:cNvPr id="3" name="Marcador de contenido 2">
+            <a:extLst>
+              <a:ext uri="{FF2B5EF4-FFF2-40B4-BE49-F238E27FC236}">
+                <a16:creationId xmlns:a16="http://schemas.microsoft.com/office/drawing/2014/main" id="{19EECB92-B3D4-B912-A674-BCAEF33A7EA3}"/>
+              </a:ext>
+            </a:extLst>
+          </p:cNvPr>
+          <p:cNvSpPr>
+            <a:spLocks noGrp="1"/>
+          </p:cNvSpPr>
+          <p:nvPr>
+            <p:ph idx="1"/>
+          </p:nvPr>
+        </p:nvSpPr>
+        <p:spPr>
+          <a:xfrm>
+            <a:off x="913775" y="2367094"/>
+            <a:ext cx="10364452" cy="838444"/>
+          </a:xfrm>
+        </p:spPr>
+        <p:txBody>
+          <a:bodyPr/>
+          <a:lstStyle/>
+          <a:p>
+            <a:pPr marL="0" indent="0">
+              <a:buNone/>
+            </a:pPr>
+            <a:r>
+              <a:rPr lang="es-MX" dirty="0">
+                <a:hlinkClick r:id="rId2"/>
+              </a:rPr>
+              <a:t>https://github.com/Cynthia21Morales/EstructuraDeDatos_CynthiaJasmineMT/tree/main/ED-Tema-2/Recursivida</a:t>
+            </a:r>
+          </a:p>
+        </p:txBody>
+      </p:sp>
+    </p:spTree>
+    <p:extLst>
+      <p:ext uri="{BB962C8B-B14F-4D97-AF65-F5344CB8AC3E}">
+        <p14:creationId xmlns:p14="http://schemas.microsoft.com/office/powerpoint/2010/main" val="3532146428"/>
       </p:ext>
     </p:extLst>
   </p:cSld>
